--- a/images/theory_analysis/Linux_Mount_Propagation/Linux_Mount_Propagation.pptx
+++ b/images/theory_analysis/Linux_Mount_Propagation/Linux_Mount_Propagation.pptx
@@ -217,7 +217,7 @@
           <a:p>
             <a:fld id="{6CD5550B-26C4-49A9-A5BA-636EF7BE6CE9}" type="datetimeFigureOut">
               <a:rPr lang="ko-KR" altLang="en-US" smtClean="0"/>
-              <a:t>2019-10-21</a:t>
+              <a:t>2019-10-23</a:t>
             </a:fld>
             <a:endParaRPr lang="ko-KR" altLang="en-US"/>
           </a:p>
@@ -999,7 +999,7 @@
           <a:p>
             <a:fld id="{FB30EDBD-1C2D-4C1E-B459-B60219FAB484}" type="datetimeFigureOut">
               <a:rPr lang="ko-KR" altLang="en-US" smtClean="0"/>
-              <a:t>2019-10-21</a:t>
+              <a:t>2019-10-23</a:t>
             </a:fld>
             <a:endParaRPr lang="ko-KR" altLang="en-US"/>
           </a:p>
@@ -1162,7 +1162,7 @@
           <a:p>
             <a:fld id="{FB30EDBD-1C2D-4C1E-B459-B60219FAB484}" type="datetimeFigureOut">
               <a:rPr lang="ko-KR" altLang="en-US" smtClean="0"/>
-              <a:t>2019-10-21</a:t>
+              <a:t>2019-10-23</a:t>
             </a:fld>
             <a:endParaRPr lang="ko-KR" altLang="en-US"/>
           </a:p>
@@ -1335,7 +1335,7 @@
           <a:p>
             <a:fld id="{FB30EDBD-1C2D-4C1E-B459-B60219FAB484}" type="datetimeFigureOut">
               <a:rPr lang="ko-KR" altLang="en-US" smtClean="0"/>
-              <a:t>2019-10-21</a:t>
+              <a:t>2019-10-23</a:t>
             </a:fld>
             <a:endParaRPr lang="ko-KR" altLang="en-US"/>
           </a:p>
@@ -1498,7 +1498,7 @@
           <a:p>
             <a:fld id="{FB30EDBD-1C2D-4C1E-B459-B60219FAB484}" type="datetimeFigureOut">
               <a:rPr lang="ko-KR" altLang="en-US" smtClean="0"/>
-              <a:t>2019-10-21</a:t>
+              <a:t>2019-10-23</a:t>
             </a:fld>
             <a:endParaRPr lang="ko-KR" altLang="en-US"/>
           </a:p>
@@ -1738,7 +1738,7 @@
           <a:p>
             <a:fld id="{FB30EDBD-1C2D-4C1E-B459-B60219FAB484}" type="datetimeFigureOut">
               <a:rPr lang="ko-KR" altLang="en-US" smtClean="0"/>
-              <a:t>2019-10-21</a:t>
+              <a:t>2019-10-23</a:t>
             </a:fld>
             <a:endParaRPr lang="ko-KR" altLang="en-US"/>
           </a:p>
@@ -2018,7 +2018,7 @@
           <a:p>
             <a:fld id="{FB30EDBD-1C2D-4C1E-B459-B60219FAB484}" type="datetimeFigureOut">
               <a:rPr lang="ko-KR" altLang="en-US" smtClean="0"/>
-              <a:t>2019-10-21</a:t>
+              <a:t>2019-10-23</a:t>
             </a:fld>
             <a:endParaRPr lang="ko-KR" altLang="en-US"/>
           </a:p>
@@ -2432,7 +2432,7 @@
           <a:p>
             <a:fld id="{FB30EDBD-1C2D-4C1E-B459-B60219FAB484}" type="datetimeFigureOut">
               <a:rPr lang="ko-KR" altLang="en-US" smtClean="0"/>
-              <a:t>2019-10-21</a:t>
+              <a:t>2019-10-23</a:t>
             </a:fld>
             <a:endParaRPr lang="ko-KR" altLang="en-US"/>
           </a:p>
@@ -2544,7 +2544,7 @@
           <a:p>
             <a:fld id="{FB30EDBD-1C2D-4C1E-B459-B60219FAB484}" type="datetimeFigureOut">
               <a:rPr lang="ko-KR" altLang="en-US" smtClean="0"/>
-              <a:t>2019-10-21</a:t>
+              <a:t>2019-10-23</a:t>
             </a:fld>
             <a:endParaRPr lang="ko-KR" altLang="en-US"/>
           </a:p>
@@ -2634,7 +2634,7 @@
           <a:p>
             <a:fld id="{FB30EDBD-1C2D-4C1E-B459-B60219FAB484}" type="datetimeFigureOut">
               <a:rPr lang="ko-KR" altLang="en-US" smtClean="0"/>
-              <a:t>2019-10-21</a:t>
+              <a:t>2019-10-23</a:t>
             </a:fld>
             <a:endParaRPr lang="ko-KR" altLang="en-US"/>
           </a:p>
@@ -2904,7 +2904,7 @@
           <a:p>
             <a:fld id="{FB30EDBD-1C2D-4C1E-B459-B60219FAB484}" type="datetimeFigureOut">
               <a:rPr lang="ko-KR" altLang="en-US" smtClean="0"/>
-              <a:t>2019-10-21</a:t>
+              <a:t>2019-10-23</a:t>
             </a:fld>
             <a:endParaRPr lang="ko-KR" altLang="en-US"/>
           </a:p>
@@ -3151,7 +3151,7 @@
           <a:p>
             <a:fld id="{FB30EDBD-1C2D-4C1E-B459-B60219FAB484}" type="datetimeFigureOut">
               <a:rPr lang="ko-KR" altLang="en-US" smtClean="0"/>
-              <a:t>2019-10-21</a:t>
+              <a:t>2019-10-23</a:t>
             </a:fld>
             <a:endParaRPr lang="ko-KR" altLang="en-US"/>
           </a:p>
@@ -3357,7 +3357,7 @@
           <a:p>
             <a:fld id="{FB30EDBD-1C2D-4C1E-B459-B60219FAB484}" type="datetimeFigureOut">
               <a:rPr lang="ko-KR" altLang="en-US" smtClean="0"/>
-              <a:t>2019-10-21</a:t>
+              <a:t>2019-10-23</a:t>
             </a:fld>
             <a:endParaRPr lang="ko-KR" altLang="en-US"/>
           </a:p>
@@ -5279,7 +5279,7 @@
                   <a:schemeClr val="tx1"/>
                 </a:solidFill>
               </a:rPr>
-              <a:t>Parent</a:t>
+              <a:t>Master</a:t>
             </a:r>
             <a:endParaRPr lang="ko-KR" altLang="en-US" sz="1400" dirty="0">
               <a:solidFill>
@@ -5341,7 +5341,7 @@
                   <a:schemeClr val="tx1"/>
                 </a:solidFill>
               </a:rPr>
-              <a:t>Child</a:t>
+              <a:t>Slave</a:t>
             </a:r>
             <a:endParaRPr lang="ko-KR" altLang="en-US" sz="1400" dirty="0">
               <a:solidFill>
@@ -5403,7 +5403,7 @@
                   <a:schemeClr val="tx1"/>
                 </a:solidFill>
               </a:rPr>
-              <a:t>Parent</a:t>
+              <a:t>Master</a:t>
             </a:r>
             <a:endParaRPr lang="ko-KR" altLang="en-US" sz="1400" dirty="0">
               <a:solidFill>
@@ -5465,7 +5465,7 @@
                   <a:schemeClr val="tx1"/>
                 </a:solidFill>
               </a:rPr>
-              <a:t>Child</a:t>
+              <a:t>Slave</a:t>
             </a:r>
             <a:endParaRPr lang="ko-KR" altLang="en-US" sz="1400" dirty="0">
               <a:solidFill>
@@ -7034,7 +7034,7 @@
                   <a:schemeClr val="tx1"/>
                 </a:solidFill>
               </a:rPr>
-              <a:t>Parent</a:t>
+              <a:t>Master</a:t>
             </a:r>
             <a:endParaRPr lang="ko-KR" altLang="en-US" sz="1400" dirty="0">
               <a:solidFill>
@@ -7096,7 +7096,7 @@
                   <a:schemeClr val="tx1"/>
                 </a:solidFill>
               </a:rPr>
-              <a:t>Child</a:t>
+              <a:t>Slave</a:t>
             </a:r>
             <a:endParaRPr lang="ko-KR" altLang="en-US" sz="1400" dirty="0">
               <a:solidFill>
@@ -8535,8 +8535,8 @@
         </p:nvSpPr>
         <p:spPr>
           <a:xfrm>
-            <a:off x="1711173" y="1269620"/>
-            <a:ext cx="772595" cy="226476"/>
+            <a:off x="1639165" y="1269620"/>
+            <a:ext cx="916612" cy="226476"/>
           </a:xfrm>
           <a:prstGeom prst="roundRect">
             <a:avLst>
@@ -8573,7 +8573,7 @@
                   <a:schemeClr val="tx1"/>
                 </a:solidFill>
               </a:rPr>
-              <a:t>Parent</a:t>
+              <a:t>Master</a:t>
             </a:r>
             <a:endParaRPr lang="ko-KR" altLang="en-US" sz="1400" b="1" dirty="0">
               <a:solidFill>
@@ -8635,7 +8635,7 @@
                   <a:schemeClr val="tx1"/>
                 </a:solidFill>
               </a:rPr>
-              <a:t>Child</a:t>
+              <a:t>Slave</a:t>
             </a:r>
             <a:endParaRPr lang="ko-KR" altLang="en-US" sz="1400" b="1" dirty="0">
               <a:solidFill>
@@ -10481,8 +10481,8 @@
         </p:nvSpPr>
         <p:spPr>
           <a:xfrm>
-            <a:off x="1711173" y="1269620"/>
-            <a:ext cx="772595" cy="226476"/>
+            <a:off x="1687272" y="1269620"/>
+            <a:ext cx="820398" cy="226476"/>
           </a:xfrm>
           <a:prstGeom prst="roundRect">
             <a:avLst>
@@ -10519,7 +10519,7 @@
                   <a:schemeClr val="tx1"/>
                 </a:solidFill>
               </a:rPr>
-              <a:t>Parent</a:t>
+              <a:t>Master</a:t>
             </a:r>
             <a:endParaRPr lang="ko-KR" altLang="en-US" sz="1400" b="1" dirty="0">
               <a:solidFill>
@@ -10581,7 +10581,7 @@
                   <a:schemeClr val="tx1"/>
                 </a:solidFill>
               </a:rPr>
-              <a:t>Child</a:t>
+              <a:t>Slave</a:t>
             </a:r>
             <a:endParaRPr lang="ko-KR" altLang="en-US" sz="1400" b="1" dirty="0">
               <a:solidFill>

--- a/images/theory_analysis/Linux_Mount_Propagation/Linux_Mount_Propagation.pptx
+++ b/images/theory_analysis/Linux_Mount_Propagation/Linux_Mount_Propagation.pptx
@@ -5637,7 +5637,13 @@
               <a:rPr lang="en-US" altLang="ko-KR" sz="1600"/>
               <a:t>/</a:t>
             </a:r>
-            <a:endParaRPr lang="ko-KR" altLang="en-US" sz="1600" dirty="0"/>
+          </a:p>
+          <a:p>
+            <a:pPr algn="ctr"/>
+            <a:r>
+              <a:rPr lang="en-US" altLang="ko-KR" sz="1200"/>
+              <a:t>/dev/sda</a:t>
+            </a:r>
           </a:p>
         </p:txBody>
       </p:sp>
@@ -5688,7 +5694,14 @@
               <a:rPr lang="en-US" altLang="ko-KR" sz="1600"/>
               <a:t>A</a:t>
             </a:r>
-            <a:endParaRPr lang="ko-KR" altLang="en-US" sz="1600" dirty="0"/>
+          </a:p>
+          <a:p>
+            <a:pPr algn="ctr"/>
+            <a:r>
+              <a:rPr lang="en-US" altLang="ko-KR" sz="1200"/>
+              <a:t>/dev/sdb </a:t>
+            </a:r>
+            <a:endParaRPr lang="ko-KR" altLang="en-US" sz="1200"/>
           </a:p>
         </p:txBody>
       </p:sp>
@@ -6721,7 +6734,7 @@
         </p:nvCxnSpPr>
         <p:spPr>
           <a:xfrm>
-            <a:off x="1929841" y="2641938"/>
+            <a:off x="1930183" y="2641938"/>
             <a:ext cx="705563" cy="0"/>
           </a:xfrm>
           <a:prstGeom prst="straightConnector1">
@@ -6764,7 +6777,7 @@
         </p:nvSpPr>
         <p:spPr>
           <a:xfrm>
-            <a:off x="1691338" y="2791111"/>
+            <a:off x="1691680" y="2791111"/>
             <a:ext cx="1174139" cy="240610"/>
           </a:xfrm>
           <a:prstGeom prst="roundRect">
@@ -7103,6 +7116,61 @@
                 <a:schemeClr val="tx1"/>
               </a:solidFill>
             </a:endParaRPr>
+          </a:p>
+        </p:txBody>
+      </p:sp>
+      <p:sp>
+        <p:nvSpPr>
+          <p:cNvPr id="34" name="사각형: 둥근 모서리 33">
+            <a:extLst>
+              <a:ext uri="{FF2B5EF4-FFF2-40B4-BE49-F238E27FC236}">
+                <a16:creationId xmlns:a16="http://schemas.microsoft.com/office/drawing/2014/main" id="{09B04B34-782B-4839-9DFD-3AD09D524AAD}"/>
+              </a:ext>
+            </a:extLst>
+          </p:cNvPr>
+          <p:cNvSpPr/>
+          <p:nvPr/>
+        </p:nvSpPr>
+        <p:spPr>
+          <a:xfrm>
+            <a:off x="67631" y="2343204"/>
+            <a:ext cx="2138823" cy="1438990"/>
+          </a:xfrm>
+          <a:prstGeom prst="roundRect">
+            <a:avLst>
+              <a:gd name="adj" fmla="val 10757"/>
+            </a:avLst>
+          </a:prstGeom>
+          <a:noFill/>
+          <a:ln>
+            <a:solidFill>
+              <a:schemeClr val="tx1"/>
+            </a:solidFill>
+            <a:prstDash val="dash"/>
+          </a:ln>
+        </p:spPr>
+        <p:style>
+          <a:lnRef idx="2">
+            <a:schemeClr val="accent1">
+              <a:shade val="50000"/>
+            </a:schemeClr>
+          </a:lnRef>
+          <a:fillRef idx="1">
+            <a:schemeClr val="accent1"/>
+          </a:fillRef>
+          <a:effectRef idx="0">
+            <a:schemeClr val="accent1"/>
+          </a:effectRef>
+          <a:fontRef idx="minor">
+            <a:schemeClr val="lt1"/>
+          </a:fontRef>
+        </p:style>
+        <p:txBody>
+          <a:bodyPr rtlCol="0" anchor="ctr"/>
+          <a:lstStyle/>
+          <a:p>
+            <a:pPr algn="ctr"/>
+            <a:endParaRPr lang="ko-KR" altLang="en-US"/>
           </a:p>
         </p:txBody>
       </p:sp>
